--- a/cache/a434992a-89df-4577-925c-0c58b747f0f4/16_2.pptx
+++ b/cache/a434992a-89df-4577-925c-0c58b747f0f4/16_2.pptx
@@ -63,7 +63,7 @@
         <p:txBody>
           <a:bodyPr/>
           <a:p>
-            <a:fld id="{8EB2CA99-6D97-468F-937F-8D329F9DADAE}" type="slidenum">
+            <a:fld id="{6EFD6D5C-B2C9-421C-AB18-2CDF04A3E1A1}" type="slidenum">
               <a:t>&lt;#&gt;</a:t>
             </a:fld>
           </a:p>
@@ -251,7 +251,7 @@
         <p:txBody>
           <a:bodyPr/>
           <a:p>
-            <a:fld id="{62F45B0F-51F4-44C2-9A16-279E633D005C}" type="slidenum">
+            <a:fld id="{58C5A8C8-49E4-4A53-9DC0-67F405A5BC94}" type="slidenum">
               <a:t>&lt;#&gt;</a:t>
             </a:fld>
           </a:p>
@@ -507,7 +507,7 @@
         <p:txBody>
           <a:bodyPr/>
           <a:p>
-            <a:fld id="{BF358B1C-EC19-4783-8020-AB6A2EBB0CAF}" type="slidenum">
+            <a:fld id="{64540D01-2C77-4956-9D0C-0F8D16EA7E63}" type="slidenum">
               <a:t>&lt;#&gt;</a:t>
             </a:fld>
           </a:p>
@@ -831,7 +831,7 @@
         <p:txBody>
           <a:bodyPr/>
           <a:p>
-            <a:fld id="{130B4B9E-488F-4FBC-B42C-CE8480BB5A8D}" type="slidenum">
+            <a:fld id="{9AEB7A1E-604D-4CC7-9D37-ACBA2E9B6EE5}" type="slidenum">
               <a:t>&lt;#&gt;</a:t>
             </a:fld>
           </a:p>
@@ -988,7 +988,7 @@
         <p:txBody>
           <a:bodyPr/>
           <a:p>
-            <a:fld id="{0DAABA9C-FFE1-4205-8A93-EC3E92B11494}" type="slidenum">
+            <a:fld id="{30B34923-D3B1-4069-B3CB-8615C1CF18E6}" type="slidenum">
               <a:t>&lt;#&gt;</a:t>
             </a:fld>
           </a:p>
@@ -1142,7 +1142,7 @@
         <p:txBody>
           <a:bodyPr/>
           <a:p>
-            <a:fld id="{7A766DB7-8942-4A0B-8F5D-332125BDFA28}" type="slidenum">
+            <a:fld id="{BEAE2BDB-616A-45E3-AFE8-7E7BD76DBF04}" type="slidenum">
               <a:t>&lt;#&gt;</a:t>
             </a:fld>
           </a:p>
@@ -1330,7 +1330,7 @@
         <p:txBody>
           <a:bodyPr/>
           <a:p>
-            <a:fld id="{3150F934-7AA0-4408-8D1B-2ED1ABD4E01E}" type="slidenum">
+            <a:fld id="{05611A14-8C66-41CB-A14A-232847DE83AE}" type="slidenum">
               <a:t>&lt;#&gt;</a:t>
             </a:fld>
           </a:p>
@@ -1450,7 +1450,7 @@
         <p:txBody>
           <a:bodyPr/>
           <a:p>
-            <a:fld id="{75CDB8FC-CA69-4D2A-9871-CCC67BE3E688}" type="slidenum">
+            <a:fld id="{4F5B634A-5BC5-41A1-A366-69107CF50D18}" type="slidenum">
               <a:t>&lt;#&gt;</a:t>
             </a:fld>
           </a:p>
@@ -1570,7 +1570,7 @@
         <p:txBody>
           <a:bodyPr/>
           <a:p>
-            <a:fld id="{9FBA378B-6BAD-4C8D-9447-C69F8D91841B}" type="slidenum">
+            <a:fld id="{01FCC19D-306D-4DF0-90D2-C464D6042CAE}" type="slidenum">
               <a:t>&lt;#&gt;</a:t>
             </a:fld>
           </a:p>
@@ -1792,7 +1792,7 @@
         <p:txBody>
           <a:bodyPr/>
           <a:p>
-            <a:fld id="{87164F57-7D46-4499-9A42-821E562FF207}" type="slidenum">
+            <a:fld id="{F9A9B692-4511-4CBE-9474-8A50872A6B30}" type="slidenum">
               <a:t>&lt;#&gt;</a:t>
             </a:fld>
           </a:p>
@@ -2014,7 +2014,7 @@
         <p:txBody>
           <a:bodyPr/>
           <a:p>
-            <a:fld id="{E4C945CB-380A-47B3-B2DB-FD5202DADD78}" type="slidenum">
+            <a:fld id="{25401DA2-EA91-478E-B525-B167447D9BE6}" type="slidenum">
               <a:t>&lt;#&gt;</a:t>
             </a:fld>
           </a:p>
@@ -2236,7 +2236,7 @@
         <p:txBody>
           <a:bodyPr/>
           <a:p>
-            <a:fld id="{E76E57E8-66DD-445D-9CAC-BA3F9E82C27D}" type="slidenum">
+            <a:fld id="{16D49C2B-3ED5-4654-AC7C-F2B0F5E57038}" type="slidenum">
               <a:t>&lt;#&gt;</a:t>
             </a:fld>
           </a:p>
@@ -2397,7 +2397,7 @@
               </a:lnSpc>
               <a:buNone/>
             </a:pPr>
-            <a:fld id="{02BE29FC-6597-4B52-8A87-8326DFD2CB2C}" type="slidenum">
+            <a:fld id="{F49C9BE0-956F-478F-A4DF-7E85EF13F2E6}" type="slidenum">
               <a:rPr b="0" lang="en-US" sz="1200" spc="-1" strike="noStrike">
                 <a:solidFill>
                   <a:srgbClr val="8b8b8b"/>
@@ -2711,7 +2711,7 @@
     <p:bg>
       <p:bgPr>
         <a:solidFill>
-          <a:srgbClr val="ff0000"/>
+          <a:srgbClr val="ff8000"/>
         </a:solidFill>
       </p:bgPr>
     </p:bg>
@@ -2820,15 +2820,33 @@
               <a:buChar char="•"/>
             </a:pPr>
             <a:r>
+              <a:rPr b="0" lang="en-US" sz="3200" spc="-1" strike="noStrike">
+                <a:solidFill>
+                  <a:srgbClr val="ff8000"/>
+                </a:solidFill>
+                <a:latin typeface="Calibri"/>
+              </a:rPr>
+              <a:t>Neural networks are a set of algorithms that mimic the function of a human brain. </a:t>
+            </a:r>
+            <a:r>
               <a:rPr b="0" lang="en-US" sz="1200" spc="-1" strike="noStrike">
                 <a:solidFill>
                   <a:srgbClr val="ff8000"/>
                 </a:solidFill>
                 <a:latin typeface="Calibri"/>
               </a:rPr>
-              <a:t>Neural networks are a set of algorithms that mimic the function of a human brain. They are designed to recognize patterns, classify data, and make predictions.</a:t>
-            </a:r>
-            <a:endParaRPr b="0" lang="en-HK" sz="1200" spc="-1" strike="noStrike">
+              <a:t>They</a:t>
+            </a:r>
+            <a:r>
+              <a:rPr b="0" lang="en-US" sz="3200" spc="-1" strike="noStrike">
+                <a:solidFill>
+                  <a:srgbClr val="ff8000"/>
+                </a:solidFill>
+                <a:latin typeface="Calibri"/>
+              </a:rPr>
+              <a:t> are designed to recognize patterns, classify data, and make predictions.</a:t>
+            </a:r>
+            <a:endParaRPr b="0" lang="en-HK" sz="3200" spc="-1" strike="noStrike">
               <a:solidFill>
                 <a:srgbClr val="ff8000"/>
               </a:solidFill>
